--- a/Adv. Databse.pptx
+++ b/Adv. Databse.pptx
@@ -263,7 +263,7 @@
             <a:fld id="{1449AA12-8195-4182-A7AC-2E7E59DFBDAF}" type="datetimeFigureOut">
               <a:rPr lang="en-US" smtClean="0"/>
               <a:pPr algn="r"/>
-              <a:t>12/5/2023</a:t>
+              <a:t>12/6/2023</a:t>
             </a:fld>
             <a:endParaRPr lang="en-US"/>
           </a:p>
@@ -434,7 +434,7 @@
           <a:p>
             <a:fld id="{1449AA12-8195-4182-A7AC-2E7E59DFBDAF}" type="datetimeFigureOut">
               <a:rPr lang="en-US" smtClean="0"/>
-              <a:t>12/5/2023</a:t>
+              <a:t>12/6/2023</a:t>
             </a:fld>
             <a:endParaRPr lang="en-US"/>
           </a:p>
@@ -614,7 +614,7 @@
           <a:p>
             <a:fld id="{1449AA12-8195-4182-A7AC-2E7E59DFBDAF}" type="datetimeFigureOut">
               <a:rPr lang="en-US" smtClean="0"/>
-              <a:t>12/5/2023</a:t>
+              <a:t>12/6/2023</a:t>
             </a:fld>
             <a:endParaRPr lang="en-US"/>
           </a:p>
@@ -784,7 +784,7 @@
           <a:p>
             <a:fld id="{1449AA12-8195-4182-A7AC-2E7E59DFBDAF}" type="datetimeFigureOut">
               <a:rPr lang="en-US" smtClean="0"/>
-              <a:t>12/5/2023</a:t>
+              <a:t>12/6/2023</a:t>
             </a:fld>
             <a:endParaRPr lang="en-US"/>
           </a:p>
@@ -1030,7 +1030,7 @@
           <a:p>
             <a:fld id="{1449AA12-8195-4182-A7AC-2E7E59DFBDAF}" type="datetimeFigureOut">
               <a:rPr lang="en-US" smtClean="0"/>
-              <a:t>12/5/2023</a:t>
+              <a:t>12/6/2023</a:t>
             </a:fld>
             <a:endParaRPr lang="en-US"/>
           </a:p>
@@ -1262,7 +1262,7 @@
           <a:p>
             <a:fld id="{1449AA12-8195-4182-A7AC-2E7E59DFBDAF}" type="datetimeFigureOut">
               <a:rPr lang="en-US" smtClean="0"/>
-              <a:t>12/5/2023</a:t>
+              <a:t>12/6/2023</a:t>
             </a:fld>
             <a:endParaRPr lang="en-US"/>
           </a:p>
@@ -1629,7 +1629,7 @@
           <a:p>
             <a:fld id="{1449AA12-8195-4182-A7AC-2E7E59DFBDAF}" type="datetimeFigureOut">
               <a:rPr lang="en-US" smtClean="0"/>
-              <a:t>12/5/2023</a:t>
+              <a:t>12/6/2023</a:t>
             </a:fld>
             <a:endParaRPr lang="en-US"/>
           </a:p>
@@ -1747,7 +1747,7 @@
           <a:p>
             <a:fld id="{1449AA12-8195-4182-A7AC-2E7E59DFBDAF}" type="datetimeFigureOut">
               <a:rPr lang="en-US" smtClean="0"/>
-              <a:t>12/5/2023</a:t>
+              <a:t>12/6/2023</a:t>
             </a:fld>
             <a:endParaRPr lang="en-US"/>
           </a:p>
@@ -1842,7 +1842,7 @@
           <a:p>
             <a:fld id="{1449AA12-8195-4182-A7AC-2E7E59DFBDAF}" type="datetimeFigureOut">
               <a:rPr lang="en-US" smtClean="0"/>
-              <a:t>12/5/2023</a:t>
+              <a:t>12/6/2023</a:t>
             </a:fld>
             <a:endParaRPr lang="en-US"/>
           </a:p>
@@ -2119,7 +2119,7 @@
           <a:p>
             <a:fld id="{1449AA12-8195-4182-A7AC-2E7E59DFBDAF}" type="datetimeFigureOut">
               <a:rPr lang="en-US" smtClean="0"/>
-              <a:t>12/5/2023</a:t>
+              <a:t>12/6/2023</a:t>
             </a:fld>
             <a:endParaRPr lang="en-US"/>
           </a:p>
@@ -2376,7 +2376,7 @@
           <a:p>
             <a:fld id="{1449AA12-8195-4182-A7AC-2E7E59DFBDAF}" type="datetimeFigureOut">
               <a:rPr lang="en-US" smtClean="0"/>
-              <a:t>12/5/2023</a:t>
+              <a:t>12/6/2023</a:t>
             </a:fld>
             <a:endParaRPr lang="en-US"/>
           </a:p>
@@ -2623,7 +2623,7 @@
             <a:fld id="{1449AA12-8195-4182-A7AC-2E7E59DFBDAF}" type="datetimeFigureOut">
               <a:rPr lang="en-US" smtClean="0"/>
               <a:pPr/>
-              <a:t>12/5/2023</a:t>
+              <a:t>12/6/2023</a:t>
             </a:fld>
             <a:endParaRPr lang="en-US"/>
           </a:p>
@@ -3045,7 +3045,7 @@
                 <a16:creationId xmlns:a16="http://schemas.microsoft.com/office/drawing/2014/main" id="{C5E6CFF1-2F42-4E10-9A97-F116F46F53FE}"/>
               </a:ext>
               <a:ext uri="{C183D7F6-B498-43B3-948B-1728B52AA6E4}">
-                <adec:decorative xmlns:adec="http://schemas.microsoft.com/office/drawing/2017/decorative" val="1"/>
+                <adec:decorative xmlns:adec="http://schemas.microsoft.com/office/drawing/2017/decorative" xmlns="" val="1"/>
               </a:ext>
             </a:extLst>
           </p:cNvPr>
@@ -3123,7 +3123,7 @@
         </p:blipFill>
         <p:spPr>
           <a:xfrm>
-            <a:off x="20" y="1"/>
+            <a:off x="3445" y="-1"/>
             <a:ext cx="12191980" cy="6857999"/>
           </a:xfrm>
           <a:prstGeom prst="rect">
@@ -3203,7 +3203,7 @@
                 <a16:creationId xmlns:a16="http://schemas.microsoft.com/office/drawing/2014/main" id="{96A8629B-8289-498B-939B-1CA0C106182C}"/>
               </a:ext>
               <a:ext uri="{C183D7F6-B498-43B3-948B-1728B52AA6E4}">
-                <adec:decorative xmlns:adec="http://schemas.microsoft.com/office/drawing/2017/decorative" val="1"/>
+                <adec:decorative xmlns:adec="http://schemas.microsoft.com/office/drawing/2017/decorative" xmlns="" val="1"/>
               </a:ext>
             </a:extLst>
           </p:cNvPr>
@@ -3247,241 +3247,6 @@
           </a:fontRef>
         </p:style>
       </p:cxnSp>
-      <p:sp>
-        <p:nvSpPr>
-          <p:cNvPr id="3" name="Subtitle 2">
-            <a:extLst>
-              <a:ext uri="{FF2B5EF4-FFF2-40B4-BE49-F238E27FC236}">
-                <a16:creationId xmlns:a16="http://schemas.microsoft.com/office/drawing/2014/main" id="{872B9A8B-C613-F35F-F614-D8CD5FF93997}"/>
-              </a:ext>
-            </a:extLst>
-          </p:cNvPr>
-          <p:cNvSpPr>
-            <a:spLocks noGrp="1"/>
-          </p:cNvSpPr>
-          <p:nvPr>
-            <p:ph type="subTitle" idx="1"/>
-          </p:nvPr>
-        </p:nvSpPr>
-        <p:spPr>
-          <a:xfrm>
-            <a:off x="7245998" y="1398371"/>
-            <a:ext cx="4591158" cy="3270611"/>
-          </a:xfrm>
-        </p:spPr>
-        <p:txBody>
-          <a:bodyPr vert="horz" lIns="91440" tIns="45720" rIns="91440" bIns="45720" rtlCol="0" anchor="ctr">
-            <a:normAutofit/>
-          </a:bodyPr>
-          <a:lstStyle/>
-          <a:p>
-            <a:pPr indent="-228600" algn="l" fontAlgn="base">
-              <a:buFont typeface="Arial" panose="020B0604020202020204" pitchFamily="34" charset="0"/>
-              <a:buChar char="•"/>
-            </a:pPr>
-            <a:r>
-              <a:rPr lang="en-US" sz="2000" b="0" i="0" dirty="0">
-                <a:solidFill>
-                  <a:srgbClr val="FFFFFF"/>
-                </a:solidFill>
-                <a:effectLst/>
-              </a:rPr>
-              <a:t> </a:t>
-            </a:r>
-            <a:r>
-              <a:rPr lang="en-US" sz="2000" b="1" i="0" dirty="0">
-                <a:solidFill>
-                  <a:srgbClr val="FFFFFF"/>
-                </a:solidFill>
-                <a:effectLst/>
-              </a:rPr>
-              <a:t>Komal Patel :300917418 </a:t>
-            </a:r>
-          </a:p>
-          <a:p>
-            <a:pPr indent="-228600" algn="l" fontAlgn="base">
-              <a:buFont typeface="Arial" panose="020B0604020202020204" pitchFamily="34" charset="0"/>
-              <a:buChar char="•"/>
-            </a:pPr>
-            <a:r>
-              <a:rPr lang="en-US" sz="2000" b="1" i="0" dirty="0" err="1">
-                <a:solidFill>
-                  <a:srgbClr val="FFFFFF"/>
-                </a:solidFill>
-                <a:effectLst/>
-              </a:rPr>
-              <a:t>Munira</a:t>
-            </a:r>
-            <a:r>
-              <a:rPr lang="en-US" sz="2000" b="1" i="0" dirty="0">
-                <a:solidFill>
-                  <a:srgbClr val="FFFFFF"/>
-                </a:solidFill>
-                <a:effectLst/>
-              </a:rPr>
-              <a:t> </a:t>
-            </a:r>
-            <a:r>
-              <a:rPr lang="en-US" sz="2000" b="1" i="0" dirty="0" err="1">
-                <a:solidFill>
-                  <a:srgbClr val="FFFFFF"/>
-                </a:solidFill>
-                <a:effectLst/>
-              </a:rPr>
-              <a:t>Negash</a:t>
-            </a:r>
-            <a:r>
-              <a:rPr lang="en-US" sz="2000" b="1" i="0" dirty="0">
-                <a:solidFill>
-                  <a:srgbClr val="FFFFFF"/>
-                </a:solidFill>
-                <a:effectLst/>
-              </a:rPr>
-              <a:t> </a:t>
-            </a:r>
-            <a:r>
-              <a:rPr lang="en-US" sz="2000" b="1" i="0" dirty="0" err="1">
-                <a:solidFill>
-                  <a:srgbClr val="FFFFFF"/>
-                </a:solidFill>
-                <a:effectLst/>
-              </a:rPr>
-              <a:t>Hussien</a:t>
-            </a:r>
-            <a:r>
-              <a:rPr lang="en-US" sz="2000" b="1" i="0" dirty="0">
-                <a:solidFill>
-                  <a:srgbClr val="FFFFFF"/>
-                </a:solidFill>
-                <a:effectLst/>
-              </a:rPr>
-              <a:t>: 301116861 </a:t>
-            </a:r>
-          </a:p>
-          <a:p>
-            <a:pPr indent="-228600" algn="l" fontAlgn="base">
-              <a:buFont typeface="Arial" panose="020B0604020202020204" pitchFamily="34" charset="0"/>
-              <a:buChar char="•"/>
-            </a:pPr>
-            <a:r>
-              <a:rPr lang="en-US" sz="2000" b="1" i="0" dirty="0">
-                <a:solidFill>
-                  <a:srgbClr val="FFFFFF"/>
-                </a:solidFill>
-                <a:effectLst/>
-              </a:rPr>
-              <a:t>Okafor </a:t>
-            </a:r>
-            <a:r>
-              <a:rPr lang="en-US" sz="2000" b="1" i="0" dirty="0" err="1">
-                <a:solidFill>
-                  <a:srgbClr val="FFFFFF"/>
-                </a:solidFill>
-                <a:effectLst/>
-              </a:rPr>
-              <a:t>Chiemelie</a:t>
-            </a:r>
-            <a:r>
-              <a:rPr lang="en-US" sz="2000" b="1" i="0" dirty="0">
-                <a:solidFill>
-                  <a:srgbClr val="FFFFFF"/>
-                </a:solidFill>
-                <a:effectLst/>
-              </a:rPr>
-              <a:t>: 301192703 </a:t>
-            </a:r>
-          </a:p>
-          <a:p>
-            <a:pPr indent="-228600" algn="l" fontAlgn="base">
-              <a:buFont typeface="Arial" panose="020B0604020202020204" pitchFamily="34" charset="0"/>
-              <a:buChar char="•"/>
-            </a:pPr>
-            <a:r>
-              <a:rPr lang="en-US" sz="2000" b="1" i="0" dirty="0" err="1">
-                <a:solidFill>
-                  <a:srgbClr val="FFFFFF"/>
-                </a:solidFill>
-                <a:effectLst/>
-              </a:rPr>
-              <a:t>Maxmilian</a:t>
-            </a:r>
-            <a:r>
-              <a:rPr lang="en-US" sz="2000" b="1" i="0" dirty="0">
-                <a:solidFill>
-                  <a:srgbClr val="FFFFFF"/>
-                </a:solidFill>
-                <a:effectLst/>
-              </a:rPr>
-              <a:t> </a:t>
-            </a:r>
-            <a:r>
-              <a:rPr lang="en-US" sz="2000" b="1" i="0" dirty="0" err="1">
-                <a:solidFill>
-                  <a:srgbClr val="FFFFFF"/>
-                </a:solidFill>
-                <a:effectLst/>
-              </a:rPr>
-              <a:t>Afanga</a:t>
-            </a:r>
-            <a:r>
-              <a:rPr lang="en-US" sz="2000" b="1" i="0" dirty="0">
-                <a:solidFill>
-                  <a:srgbClr val="FFFFFF"/>
-                </a:solidFill>
-                <a:effectLst/>
-              </a:rPr>
-              <a:t> </a:t>
-            </a:r>
-            <a:r>
-              <a:rPr lang="en-US" sz="2000" b="1" i="0" dirty="0" err="1">
-                <a:solidFill>
-                  <a:srgbClr val="FFFFFF"/>
-                </a:solidFill>
-                <a:effectLst/>
-              </a:rPr>
-              <a:t>Agwo</a:t>
-            </a:r>
-            <a:r>
-              <a:rPr lang="en-US" sz="2000" b="1" i="0" dirty="0">
-                <a:solidFill>
-                  <a:srgbClr val="FFFFFF"/>
-                </a:solidFill>
-                <a:effectLst/>
-              </a:rPr>
-              <a:t> </a:t>
-            </a:r>
-            <a:r>
-              <a:rPr lang="en-US" sz="2000" b="1" i="0" dirty="0" err="1">
-                <a:solidFill>
-                  <a:srgbClr val="FFFFFF"/>
-                </a:solidFill>
-                <a:effectLst/>
-              </a:rPr>
-              <a:t>Tekeh</a:t>
-            </a:r>
-            <a:r>
-              <a:rPr lang="en-US" sz="2000" b="1" i="0" dirty="0">
-                <a:solidFill>
-                  <a:srgbClr val="FFFFFF"/>
-                </a:solidFill>
-                <a:effectLst/>
-              </a:rPr>
-              <a:t>: 301325202 </a:t>
-            </a:r>
-          </a:p>
-          <a:p>
-            <a:pPr indent="-228600" algn="l">
-              <a:buFont typeface="Arial" panose="020B0604020202020204" pitchFamily="34" charset="0"/>
-              <a:buChar char="•"/>
-            </a:pPr>
-            <a:endParaRPr lang="en-US" sz="2000" dirty="0">
-              <a:solidFill>
-                <a:srgbClr val="FFFFFF"/>
-              </a:solidFill>
-            </a:endParaRPr>
-          </a:p>
-        </p:txBody>
-      </p:sp>
     </p:spTree>
     <p:extLst>
       <p:ext uri="{BB962C8B-B14F-4D97-AF65-F5344CB8AC3E}">
@@ -3520,7 +3285,7 @@
                 <a16:creationId xmlns:a16="http://schemas.microsoft.com/office/drawing/2014/main" id="{D4771268-CB57-404A-9271-370EB28F6090}"/>
               </a:ext>
               <a:ext uri="{C183D7F6-B498-43B3-948B-1728B52AA6E4}">
-                <adec:decorative xmlns:adec="http://schemas.microsoft.com/office/drawing/2017/decorative" val="1"/>
+                <adec:decorative xmlns:adec="http://schemas.microsoft.com/office/drawing/2017/decorative" xmlns="" val="1"/>
               </a:ext>
             </a:extLst>
           </p:cNvPr>
@@ -3708,7 +3473,7 @@
                 <a16:creationId xmlns:a16="http://schemas.microsoft.com/office/drawing/2014/main" id="{D4771268-CB57-404A-9271-370EB28F6090}"/>
               </a:ext>
               <a:ext uri="{C183D7F6-B498-43B3-948B-1728B52AA6E4}">
-                <adec:decorative xmlns:adec="http://schemas.microsoft.com/office/drawing/2017/decorative" val="1"/>
+                <adec:decorative xmlns:adec="http://schemas.microsoft.com/office/drawing/2017/decorative" xmlns="" val="1"/>
               </a:ext>
             </a:extLst>
           </p:cNvPr>
@@ -3940,7 +3705,7 @@
                 <a16:creationId xmlns:a16="http://schemas.microsoft.com/office/drawing/2014/main" id="{D4771268-CB57-404A-9271-370EB28F6090}"/>
               </a:ext>
               <a:ext uri="{C183D7F6-B498-43B3-948B-1728B52AA6E4}">
-                <adec:decorative xmlns:adec="http://schemas.microsoft.com/office/drawing/2017/decorative" val="1"/>
+                <adec:decorative xmlns:adec="http://schemas.microsoft.com/office/drawing/2017/decorative" xmlns="" val="1"/>
               </a:ext>
             </a:extLst>
           </p:cNvPr>
@@ -4128,7 +3893,7 @@
                 <a16:creationId xmlns:a16="http://schemas.microsoft.com/office/drawing/2014/main" id="{D4771268-CB57-404A-9271-370EB28F6090}"/>
               </a:ext>
               <a:ext uri="{C183D7F6-B498-43B3-948B-1728B52AA6E4}">
-                <adec:decorative xmlns:adec="http://schemas.microsoft.com/office/drawing/2017/decorative" val="1"/>
+                <adec:decorative xmlns:adec="http://schemas.microsoft.com/office/drawing/2017/decorative" xmlns="" val="1"/>
               </a:ext>
             </a:extLst>
           </p:cNvPr>
@@ -4316,7 +4081,7 @@
                 <a16:creationId xmlns:a16="http://schemas.microsoft.com/office/drawing/2014/main" id="{D4771268-CB57-404A-9271-370EB28F6090}"/>
               </a:ext>
               <a:ext uri="{C183D7F6-B498-43B3-948B-1728B52AA6E4}">
-                <adec:decorative xmlns:adec="http://schemas.microsoft.com/office/drawing/2017/decorative" val="1"/>
+                <adec:decorative xmlns:adec="http://schemas.microsoft.com/office/drawing/2017/decorative" xmlns="" val="1"/>
               </a:ext>
             </a:extLst>
           </p:cNvPr>
@@ -4504,7 +4269,7 @@
                 <a16:creationId xmlns:a16="http://schemas.microsoft.com/office/drawing/2014/main" id="{D4771268-CB57-404A-9271-370EB28F6090}"/>
               </a:ext>
               <a:ext uri="{C183D7F6-B498-43B3-948B-1728B52AA6E4}">
-                <adec:decorative xmlns:adec="http://schemas.microsoft.com/office/drawing/2017/decorative" val="1"/>
+                <adec:decorative xmlns:adec="http://schemas.microsoft.com/office/drawing/2017/decorative" xmlns="" val="1"/>
               </a:ext>
             </a:extLst>
           </p:cNvPr>
@@ -4699,7 +4464,7 @@
                 <a16:creationId xmlns:a16="http://schemas.microsoft.com/office/drawing/2014/main" id="{D4771268-CB57-404A-9271-370EB28F6090}"/>
               </a:ext>
               <a:ext uri="{C183D7F6-B498-43B3-948B-1728B52AA6E4}">
-                <adec:decorative xmlns:adec="http://schemas.microsoft.com/office/drawing/2017/decorative" val="1"/>
+                <adec:decorative xmlns:adec="http://schemas.microsoft.com/office/drawing/2017/decorative" xmlns="" val="1"/>
               </a:ext>
             </a:extLst>
           </p:cNvPr>
@@ -4896,7 +4661,7 @@
                 <a16:creationId xmlns:a16="http://schemas.microsoft.com/office/drawing/2014/main" id="{D4771268-CB57-404A-9271-370EB28F6090}"/>
               </a:ext>
               <a:ext uri="{C183D7F6-B498-43B3-948B-1728B52AA6E4}">
-                <adec:decorative xmlns:adec="http://schemas.microsoft.com/office/drawing/2017/decorative" val="1"/>
+                <adec:decorative xmlns:adec="http://schemas.microsoft.com/office/drawing/2017/decorative" xmlns="" val="1"/>
               </a:ext>
             </a:extLst>
           </p:cNvPr>
@@ -5085,7 +4850,7 @@
                 <a16:creationId xmlns:a16="http://schemas.microsoft.com/office/drawing/2014/main" id="{D4771268-CB57-404A-9271-370EB28F6090}"/>
               </a:ext>
               <a:ext uri="{C183D7F6-B498-43B3-948B-1728B52AA6E4}">
-                <adec:decorative xmlns:adec="http://schemas.microsoft.com/office/drawing/2017/decorative" val="1"/>
+                <adec:decorative xmlns:adec="http://schemas.microsoft.com/office/drawing/2017/decorative" xmlns="" val="1"/>
               </a:ext>
             </a:extLst>
           </p:cNvPr>
@@ -5293,7 +5058,7 @@
                 <a16:creationId xmlns:a16="http://schemas.microsoft.com/office/drawing/2014/main" id="{D4771268-CB57-404A-9271-370EB28F6090}"/>
               </a:ext>
               <a:ext uri="{C183D7F6-B498-43B3-948B-1728B52AA6E4}">
-                <adec:decorative xmlns:adec="http://schemas.microsoft.com/office/drawing/2017/decorative" val="1"/>
+                <adec:decorative xmlns:adec="http://schemas.microsoft.com/office/drawing/2017/decorative" xmlns="" val="1"/>
               </a:ext>
             </a:extLst>
           </p:cNvPr>
@@ -5493,7 +5258,7 @@
                 <a16:creationId xmlns:a16="http://schemas.microsoft.com/office/drawing/2014/main" id="{D4771268-CB57-404A-9271-370EB28F6090}"/>
               </a:ext>
               <a:ext uri="{C183D7F6-B498-43B3-948B-1728B52AA6E4}">
-                <adec:decorative xmlns:adec="http://schemas.microsoft.com/office/drawing/2017/decorative" val="1"/>
+                <adec:decorative xmlns:adec="http://schemas.microsoft.com/office/drawing/2017/decorative" xmlns="" val="1"/>
               </a:ext>
             </a:extLst>
           </p:cNvPr>
@@ -5699,7 +5464,7 @@
                 <a16:creationId xmlns:a16="http://schemas.microsoft.com/office/drawing/2014/main" id="{D4771268-CB57-404A-9271-370EB28F6090}"/>
               </a:ext>
               <a:ext uri="{C183D7F6-B498-43B3-948B-1728B52AA6E4}">
-                <adec:decorative xmlns:adec="http://schemas.microsoft.com/office/drawing/2017/decorative" val="1"/>
+                <adec:decorative xmlns:adec="http://schemas.microsoft.com/office/drawing/2017/decorative" xmlns="" val="1"/>
               </a:ext>
             </a:extLst>
           </p:cNvPr>
@@ -5869,7 +5634,7 @@
                 <a16:creationId xmlns:a16="http://schemas.microsoft.com/office/drawing/2014/main" id="{4C608BEB-860E-4094-8511-78603564A75E}"/>
               </a:ext>
               <a:ext uri="{C183D7F6-B498-43B3-948B-1728B52AA6E4}">
-                <adec:decorative xmlns:adec="http://schemas.microsoft.com/office/drawing/2017/decorative" val="1"/>
+                <adec:decorative xmlns:adec="http://schemas.microsoft.com/office/drawing/2017/decorative" xmlns="" val="1"/>
               </a:ext>
             </a:extLst>
           </p:cNvPr>
@@ -6158,7 +5923,7 @@
                 <a16:creationId xmlns:a16="http://schemas.microsoft.com/office/drawing/2014/main" id="{1F16A8D4-FE87-4604-88B2-394B5D1EB437}"/>
               </a:ext>
               <a:ext uri="{C183D7F6-B498-43B3-948B-1728B52AA6E4}">
-                <adec:decorative xmlns:adec="http://schemas.microsoft.com/office/drawing/2017/decorative" val="1"/>
+                <adec:decorative xmlns:adec="http://schemas.microsoft.com/office/drawing/2017/decorative" xmlns="" val="1"/>
               </a:ext>
             </a:extLst>
           </p:cNvPr>
@@ -6383,7 +6148,7 @@
                 <a16:creationId xmlns:a16="http://schemas.microsoft.com/office/drawing/2014/main" id="{4C608BEB-860E-4094-8511-78603564A75E}"/>
               </a:ext>
               <a:ext uri="{C183D7F6-B498-43B3-948B-1728B52AA6E4}">
-                <adec:decorative xmlns:adec="http://schemas.microsoft.com/office/drawing/2017/decorative" val="1"/>
+                <adec:decorative xmlns:adec="http://schemas.microsoft.com/office/drawing/2017/decorative" xmlns="" val="1"/>
               </a:ext>
             </a:extLst>
           </p:cNvPr>
@@ -6678,7 +6443,7 @@
                 <a16:creationId xmlns:a16="http://schemas.microsoft.com/office/drawing/2014/main" id="{1F16A8D4-FE87-4604-88B2-394B5D1EB437}"/>
               </a:ext>
               <a:ext uri="{C183D7F6-B498-43B3-948B-1728B52AA6E4}">
-                <adec:decorative xmlns:adec="http://schemas.microsoft.com/office/drawing/2017/decorative" val="1"/>
+                <adec:decorative xmlns:adec="http://schemas.microsoft.com/office/drawing/2017/decorative" xmlns="" val="1"/>
               </a:ext>
             </a:extLst>
           </p:cNvPr>
@@ -6976,7 +6741,7 @@
                 <a16:creationId xmlns:a16="http://schemas.microsoft.com/office/drawing/2014/main" id="{4C608BEB-860E-4094-8511-78603564A75E}"/>
               </a:ext>
               <a:ext uri="{C183D7F6-B498-43B3-948B-1728B52AA6E4}">
-                <adec:decorative xmlns:adec="http://schemas.microsoft.com/office/drawing/2017/decorative" val="1"/>
+                <adec:decorative xmlns:adec="http://schemas.microsoft.com/office/drawing/2017/decorative" xmlns="" val="1"/>
               </a:ext>
             </a:extLst>
           </p:cNvPr>
@@ -7297,7 +7062,7 @@
                 <a16:creationId xmlns:a16="http://schemas.microsoft.com/office/drawing/2014/main" id="{1F16A8D4-FE87-4604-88B2-394B5D1EB437}"/>
               </a:ext>
               <a:ext uri="{C183D7F6-B498-43B3-948B-1728B52AA6E4}">
-                <adec:decorative xmlns:adec="http://schemas.microsoft.com/office/drawing/2017/decorative" val="1"/>
+                <adec:decorative xmlns:adec="http://schemas.microsoft.com/office/drawing/2017/decorative" xmlns="" val="1"/>
               </a:ext>
             </a:extLst>
           </p:cNvPr>
@@ -7563,7 +7328,7 @@
                 <a16:creationId xmlns:a16="http://schemas.microsoft.com/office/drawing/2014/main" id="{4C608BEB-860E-4094-8511-78603564A75E}"/>
               </a:ext>
               <a:ext uri="{C183D7F6-B498-43B3-948B-1728B52AA6E4}">
-                <adec:decorative xmlns:adec="http://schemas.microsoft.com/office/drawing/2017/decorative" val="1"/>
+                <adec:decorative xmlns:adec="http://schemas.microsoft.com/office/drawing/2017/decorative" xmlns="" val="1"/>
               </a:ext>
             </a:extLst>
           </p:cNvPr>
@@ -7894,7 +7659,7 @@
                 <a16:creationId xmlns:a16="http://schemas.microsoft.com/office/drawing/2014/main" id="{1F16A8D4-FE87-4604-88B2-394B5D1EB437}"/>
               </a:ext>
               <a:ext uri="{C183D7F6-B498-43B3-948B-1728B52AA6E4}">
-                <adec:decorative xmlns:adec="http://schemas.microsoft.com/office/drawing/2017/decorative" val="1"/>
+                <adec:decorative xmlns:adec="http://schemas.microsoft.com/office/drawing/2017/decorative" xmlns="" val="1"/>
               </a:ext>
             </a:extLst>
           </p:cNvPr>
@@ -8206,7 +7971,7 @@
                 <a16:creationId xmlns:a16="http://schemas.microsoft.com/office/drawing/2014/main" id="{D4771268-CB57-404A-9271-370EB28F6090}"/>
               </a:ext>
               <a:ext uri="{C183D7F6-B498-43B3-948B-1728B52AA6E4}">
-                <adec:decorative xmlns:adec="http://schemas.microsoft.com/office/drawing/2017/decorative" val="1"/>
+                <adec:decorative xmlns:adec="http://schemas.microsoft.com/office/drawing/2017/decorative" xmlns="" val="1"/>
               </a:ext>
             </a:extLst>
           </p:cNvPr>
@@ -8394,7 +8159,7 @@
                 <a16:creationId xmlns:a16="http://schemas.microsoft.com/office/drawing/2014/main" id="{D4771268-CB57-404A-9271-370EB28F6090}"/>
               </a:ext>
               <a:ext uri="{C183D7F6-B498-43B3-948B-1728B52AA6E4}">
-                <adec:decorative xmlns:adec="http://schemas.microsoft.com/office/drawing/2017/decorative" val="1"/>
+                <adec:decorative xmlns:adec="http://schemas.microsoft.com/office/drawing/2017/decorative" xmlns="" val="1"/>
               </a:ext>
             </a:extLst>
           </p:cNvPr>
@@ -8819,6 +8584,26 @@
 </file>
 
 <file path=customXml/item1.xml><?xml version="1.0" encoding="utf-8"?>
+<?mso-contentType ?>
+<FormTemplates xmlns="http://schemas.microsoft.com/sharepoint/v3/contenttype/forms">
+  <Display>DocumentLibraryForm</Display>
+  <Edit>DocumentLibraryForm</Edit>
+  <New>DocumentLibraryForm</New>
+</FormTemplates>
+</file>
+
+<file path=customXml/item2.xml><?xml version="1.0" encoding="utf-8"?>
+<p:properties xmlns:p="http://schemas.microsoft.com/office/2006/metadata/properties" xmlns:xsi="http://www.w3.org/2001/XMLSchema-instance" xmlns:pc="http://schemas.microsoft.com/office/infopath/2007/PartnerControls">
+  <documentManagement>
+    <TaxCatchAll xmlns="f2c90856-6e00-4fd2-aae7-ea2218d6f8bc" xsi:nil="true"/>
+    <lcf76f155ced4ddcb4097134ff3c332f xmlns="e76daa9e-500d-4b06-b35c-30a2cec4c25b">
+      <Terms xmlns="http://schemas.microsoft.com/office/infopath/2007/PartnerControls"/>
+    </lcf76f155ced4ddcb4097134ff3c332f>
+  </documentManagement>
+</p:properties>
+</file>
+
+<file path=customXml/item3.xml><?xml version="1.0" encoding="utf-8"?>
 <ct:contentTypeSchema xmlns:ct="http://schemas.microsoft.com/office/2006/metadata/contentType" xmlns:ma="http://schemas.microsoft.com/office/2006/metadata/properties/metaAttributes" ct:_="" ma:_="" ma:contentTypeName="Document" ma:contentTypeID="0x010100EC9E9A7A6ADB0B4099AEAEE9437E9D8C" ma:contentTypeVersion="11" ma:contentTypeDescription="Create a new document." ma:contentTypeScope="" ma:versionID="b31499785b21934dc6777cd283956c1c">
   <xsd:schema xmlns:xsd="http://www.w3.org/2001/XMLSchema" xmlns:xs="http://www.w3.org/2001/XMLSchema" xmlns:p="http://schemas.microsoft.com/office/2006/metadata/properties" xmlns:ns2="e76daa9e-500d-4b06-b35c-30a2cec4c25b" xmlns:ns3="f2c90856-6e00-4fd2-aae7-ea2218d6f8bc" targetNamespace="http://schemas.microsoft.com/office/2006/metadata/properties" ma:root="true" ma:fieldsID="64fa00bbf6bedbc0952fb5258952350b" ns2:_="" ns3:_="">
     <xsd:import namespace="e76daa9e-500d-4b06-b35c-30a2cec4c25b"/>
@@ -9029,27 +8814,26 @@
 </ct:contentTypeSchema>
 </file>
 
-<file path=customXml/item2.xml><?xml version="1.0" encoding="utf-8"?>
-<p:properties xmlns:p="http://schemas.microsoft.com/office/2006/metadata/properties" xmlns:xsi="http://www.w3.org/2001/XMLSchema-instance" xmlns:pc="http://schemas.microsoft.com/office/infopath/2007/PartnerControls">
-  <documentManagement>
-    <TaxCatchAll xmlns="f2c90856-6e00-4fd2-aae7-ea2218d6f8bc" xsi:nil="true"/>
-    <lcf76f155ced4ddcb4097134ff3c332f xmlns="e76daa9e-500d-4b06-b35c-30a2cec4c25b">
-      <Terms xmlns="http://schemas.microsoft.com/office/infopath/2007/PartnerControls"/>
-    </lcf76f155ced4ddcb4097134ff3c332f>
-  </documentManagement>
-</p:properties>
+<file path=customXml/itemProps1.xml><?xml version="1.0" encoding="utf-8"?>
+<ds:datastoreItem xmlns:ds="http://schemas.openxmlformats.org/officeDocument/2006/customXml" ds:itemID="{F849D504-1F08-48BD-8C27-BC35174999A7}">
+  <ds:schemaRefs>
+    <ds:schemaRef ds:uri="http://schemas.microsoft.com/sharepoint/v3/contenttype/forms"/>
+  </ds:schemaRefs>
+</ds:datastoreItem>
 </file>
 
-<file path=customXml/item3.xml><?xml version="1.0" encoding="utf-8"?>
-<?mso-contentType ?>
-<FormTemplates xmlns="http://schemas.microsoft.com/sharepoint/v3/contenttype/forms">
-  <Display>DocumentLibraryForm</Display>
-  <Edit>DocumentLibraryForm</Edit>
-  <New>DocumentLibraryForm</New>
-</FormTemplates>
+<file path=customXml/itemProps2.xml><?xml version="1.0" encoding="utf-8"?>
+<ds:datastoreItem xmlns:ds="http://schemas.openxmlformats.org/officeDocument/2006/customXml" ds:itemID="{2E8316FB-18BD-4103-A34D-0FAB78471C66}">
+  <ds:schemaRefs>
+    <ds:schemaRef ds:uri="http://schemas.microsoft.com/office/2006/metadata/properties"/>
+    <ds:schemaRef ds:uri="http://schemas.microsoft.com/office/infopath/2007/PartnerControls"/>
+    <ds:schemaRef ds:uri="f2c90856-6e00-4fd2-aae7-ea2218d6f8bc"/>
+    <ds:schemaRef ds:uri="e76daa9e-500d-4b06-b35c-30a2cec4c25b"/>
+  </ds:schemaRefs>
+</ds:datastoreItem>
 </file>
 
-<file path=customXml/itemProps1.xml><?xml version="1.0" encoding="utf-8"?>
+<file path=customXml/itemProps3.xml><?xml version="1.0" encoding="utf-8"?>
 <ds:datastoreItem xmlns:ds="http://schemas.openxmlformats.org/officeDocument/2006/customXml" ds:itemID="{34947FDD-3DD0-4128-AA46-7778F6A98247}">
   <ds:schemaRefs>
     <ds:schemaRef ds:uri="http://schemas.microsoft.com/office/2006/metadata/contentType"/>
@@ -9066,23 +8850,4 @@
     <ds:schemaRef ds:uri="http://schemas.microsoft.com/internal/obd"/>
   </ds:schemaRefs>
 </ds:datastoreItem>
-</file>
-
-<file path=customXml/itemProps2.xml><?xml version="1.0" encoding="utf-8"?>
-<ds:datastoreItem xmlns:ds="http://schemas.openxmlformats.org/officeDocument/2006/customXml" ds:itemID="{2E8316FB-18BD-4103-A34D-0FAB78471C66}">
-  <ds:schemaRefs>
-    <ds:schemaRef ds:uri="http://schemas.microsoft.com/office/2006/metadata/properties"/>
-    <ds:schemaRef ds:uri="http://schemas.microsoft.com/office/infopath/2007/PartnerControls"/>
-    <ds:schemaRef ds:uri="f2c90856-6e00-4fd2-aae7-ea2218d6f8bc"/>
-    <ds:schemaRef ds:uri="e76daa9e-500d-4b06-b35c-30a2cec4c25b"/>
-  </ds:schemaRefs>
-</ds:datastoreItem>
-</file>
-
-<file path=customXml/itemProps3.xml><?xml version="1.0" encoding="utf-8"?>
-<ds:datastoreItem xmlns:ds="http://schemas.openxmlformats.org/officeDocument/2006/customXml" ds:itemID="{F849D504-1F08-48BD-8C27-BC35174999A7}">
-  <ds:schemaRefs>
-    <ds:schemaRef ds:uri="http://schemas.microsoft.com/sharepoint/v3/contenttype/forms"/>
-  </ds:schemaRefs>
-</ds:datastoreItem>
 </file>